--- a/Yang_Qingqing/Intro To R introduction presentation.pptx
+++ b/Yang_Qingqing/Intro To R introduction presentation.pptx
@@ -3106,8 +3106,38 @@
         </p:blipFill>
         <p:spPr>
           <a:xfrm>
-            <a:off x="7239021" y="4025754"/>
-            <a:ext cx="4950833" cy="2818585"/>
+            <a:off x="7441626" y="4141100"/>
+            <a:ext cx="4748228" cy="2703239"/>
+          </a:xfrm>
+          <a:prstGeom prst="rect">
+            <a:avLst/>
+          </a:prstGeom>
+        </p:spPr>
+      </p:pic>
+      <p:pic>
+        <p:nvPicPr>
+          <p:cNvPr id="6" name="Picture 5" descr="A close up of a microscopic creature&#10;&#10;Description automatically generated">
+            <a:extLst>
+              <a:ext uri="{FF2B5EF4-FFF2-40B4-BE49-F238E27FC236}">
+                <a16:creationId xmlns:a16="http://schemas.microsoft.com/office/drawing/2014/main" id="{D2053CF0-7609-97E0-3C38-AAEB6ACE6AF7}"/>
+              </a:ext>
+            </a:extLst>
+          </p:cNvPr>
+          <p:cNvPicPr>
+            <a:picLocks noChangeAspect="1"/>
+          </p:cNvPicPr>
+          <p:nvPr/>
+        </p:nvPicPr>
+        <p:blipFill>
+          <a:blip r:embed="rId4"/>
+          <a:stretch>
+            <a:fillRect/>
+          </a:stretch>
+        </p:blipFill>
+        <p:spPr>
+          <a:xfrm>
+            <a:off x="2609869" y="4141100"/>
+            <a:ext cx="4750157" cy="2696054"/>
           </a:xfrm>
           <a:prstGeom prst="rect">
             <a:avLst/>
@@ -3212,10 +3242,10 @@
       </p:pic>
       <p:pic>
         <p:nvPicPr>
-          <p:cNvPr id="6" name="Picture 5" descr="A close up of a microscopic creature&#10;&#10;Description automatically generated">
+          <p:cNvPr id="14" name="Picture 13">
             <a:extLst>
               <a:ext uri="{FF2B5EF4-FFF2-40B4-BE49-F238E27FC236}">
-                <a16:creationId xmlns:a16="http://schemas.microsoft.com/office/drawing/2014/main" id="{80B0EF23-437C-3128-3DF3-EBE8DF0C109B}"/>
+                <a16:creationId xmlns:a16="http://schemas.microsoft.com/office/drawing/2014/main" id="{CD714A2E-8BD2-C163-9AD8-F482F9CA7022}"/>
               </a:ext>
             </a:extLst>
           </p:cNvPr>
@@ -3232,8 +3262,8 @@
         </p:blipFill>
         <p:spPr>
           <a:xfrm>
-            <a:off x="55810" y="696494"/>
-            <a:ext cx="4750157" cy="2696054"/>
+            <a:off x="367047" y="731272"/>
+            <a:ext cx="5094514" cy="2697728"/>
           </a:xfrm>
           <a:prstGeom prst="rect">
             <a:avLst/>
